--- a/WEB PROG Project 4.pptx
+++ b/WEB PROG Project 4.pptx
@@ -11323,7 +11323,7 @@
             <a:hlinkClick r:id="" action="ppaction://media"/>
             <a:extLst>
               <a:ext uri="{FF2B5EF4-FFF2-40B4-BE49-F238E27FC236}">
-                <a16:creationId xmlns:a16="http://schemas.microsoft.com/office/drawing/2014/main" id="{24571118-0C42-382E-0C7E-5241EA5B0422}"/>
+                <a16:creationId xmlns:a16="http://schemas.microsoft.com/office/drawing/2014/main" id="{079CE238-08E5-BB3B-7C90-301BD93F2DB6}"/>
               </a:ext>
             </a:extLst>
           </p:cNvPr>
@@ -11342,8 +11342,8 @@
         </p:blipFill>
         <p:spPr>
           <a:xfrm>
-            <a:off x="1758655" y="1504083"/>
-            <a:ext cx="8674689" cy="4901199"/>
+            <a:off x="1923256" y="1476038"/>
+            <a:ext cx="8345488" cy="4715212"/>
           </a:xfrm>
           <a:prstGeom prst="rect">
             <a:avLst/>
